--- a/TOYANOS.pptx
+++ b/TOYANOS.pptx
@@ -10,7 +10,10 @@
     <p:sldId id="259" r:id="rId4"/>
     <p:sldId id="260" r:id="rId5"/>
     <p:sldId id="261" r:id="rId6"/>
-    <p:sldId id="262" r:id="rId7"/>
+    <p:sldId id="263" r:id="rId7"/>
+    <p:sldId id="264" r:id="rId8"/>
+    <p:sldId id="265" r:id="rId9"/>
+    <p:sldId id="262" r:id="rId10"/>
   </p:sldIdLst>
   <p:sldSz cx="9144000" cy="6858000" type="screen4x3"/>
   <p:notesSz cx="6858000" cy="9144000"/>
@@ -109,6 +112,22 @@
       </a:defRPr>
     </a:lvl9pPr>
   </p:defaultTextStyle>
+  <p:extLst>
+    <p:ext uri="{EFAFB233-063F-42B5-8137-9DF3F51BA10A}">
+      <p15:sldGuideLst xmlns:p15="http://schemas.microsoft.com/office/powerpoint/2012/main">
+        <p15:guide id="1" orient="horz" pos="2160">
+          <p15:clr>
+            <a:srgbClr val="A4A3A4"/>
+          </p15:clr>
+        </p15:guide>
+        <p15:guide id="2" pos="2880">
+          <p15:clr>
+            <a:srgbClr val="A4A3A4"/>
+          </p15:clr>
+        </p15:guide>
+      </p15:sldGuideLst>
+    </p:ext>
+  </p:extLst>
 </p:presentation>
 </file>
 
@@ -409,7 +428,7 @@
           </a:lstStyle>
           <a:p>
             <a:r>
-              <a:rPr lang="es-ES" smtClean="0"/>
+              <a:rPr lang="es-ES"/>
               <a:t>Haga clic para modificar el estilo de título del patrón</a:t>
             </a:r>
             <a:endParaRPr lang="en-US" dirty="0"/>
@@ -556,7 +575,7 @@
               <a:defRPr/>
             </a:pPr>
             <a:r>
-              <a:rPr lang="es-ES" smtClean="0"/>
+              <a:rPr lang="es-ES"/>
               <a:t>Haga clic para modificar el estilo de subtítulo del patrón</a:t>
             </a:r>
             <a:endParaRPr lang="en-US" dirty="0"/>
@@ -580,7 +599,7 @@
           <a:p>
             <a:fld id="{8EDCD8F2-0E00-4DB1-AF42-C40CDABB7075}" type="datetimeFigureOut">
               <a:rPr lang="es-MX" smtClean="0"/>
-              <a:t>01/05/2017</a:t>
+              <a:t>12/05/2017</a:t>
             </a:fld>
             <a:endParaRPr lang="es-MX"/>
           </a:p>
@@ -669,7 +688,7 @@
           <a:lstStyle/>
           <a:p>
             <a:r>
-              <a:rPr lang="es-ES" smtClean="0"/>
+              <a:rPr lang="es-ES"/>
               <a:t>Haga clic para modificar el estilo de título del patrón</a:t>
             </a:r>
             <a:endParaRPr lang="en-US"/>
@@ -693,35 +712,35 @@
           <a:p>
             <a:pPr lvl="0"/>
             <a:r>
-              <a:rPr lang="es-ES" smtClean="0"/>
+              <a:rPr lang="es-ES"/>
               <a:t>Haga clic para modificar el estilo de texto del patrón</a:t>
             </a:r>
           </a:p>
           <a:p>
             <a:pPr lvl="1"/>
             <a:r>
-              <a:rPr lang="es-ES" smtClean="0"/>
+              <a:rPr lang="es-ES"/>
               <a:t>Segundo nivel</a:t>
             </a:r>
           </a:p>
           <a:p>
             <a:pPr lvl="2"/>
             <a:r>
-              <a:rPr lang="es-ES" smtClean="0"/>
+              <a:rPr lang="es-ES"/>
               <a:t>Tercer nivel</a:t>
             </a:r>
           </a:p>
           <a:p>
             <a:pPr lvl="3"/>
             <a:r>
-              <a:rPr lang="es-ES" smtClean="0"/>
+              <a:rPr lang="es-ES"/>
               <a:t>Cuarto nivel</a:t>
             </a:r>
           </a:p>
           <a:p>
             <a:pPr lvl="4"/>
             <a:r>
-              <a:rPr lang="es-ES" smtClean="0"/>
+              <a:rPr lang="es-ES"/>
               <a:t>Quinto nivel</a:t>
             </a:r>
             <a:endParaRPr lang="en-US"/>
@@ -745,7 +764,7 @@
           <a:p>
             <a:fld id="{8EDCD8F2-0E00-4DB1-AF42-C40CDABB7075}" type="datetimeFigureOut">
               <a:rPr lang="es-MX" smtClean="0"/>
-              <a:t>01/05/2017</a:t>
+              <a:t>12/05/2017</a:t>
             </a:fld>
             <a:endParaRPr lang="es-MX"/>
           </a:p>
@@ -839,7 +858,7 @@
           <a:lstStyle/>
           <a:p>
             <a:r>
-              <a:rPr lang="es-ES" smtClean="0"/>
+              <a:rPr lang="es-ES"/>
               <a:t>Haga clic para modificar el estilo de título del patrón</a:t>
             </a:r>
             <a:endParaRPr lang="en-US" dirty="0"/>
@@ -868,35 +887,35 @@
           <a:p>
             <a:pPr lvl="0"/>
             <a:r>
-              <a:rPr lang="es-ES" smtClean="0"/>
+              <a:rPr lang="es-ES"/>
               <a:t>Haga clic para modificar el estilo de texto del patrón</a:t>
             </a:r>
           </a:p>
           <a:p>
             <a:pPr lvl="1"/>
             <a:r>
-              <a:rPr lang="es-ES" smtClean="0"/>
+              <a:rPr lang="es-ES"/>
               <a:t>Segundo nivel</a:t>
             </a:r>
           </a:p>
           <a:p>
             <a:pPr lvl="2"/>
             <a:r>
-              <a:rPr lang="es-ES" smtClean="0"/>
+              <a:rPr lang="es-ES"/>
               <a:t>Tercer nivel</a:t>
             </a:r>
           </a:p>
           <a:p>
             <a:pPr lvl="3"/>
             <a:r>
-              <a:rPr lang="es-ES" smtClean="0"/>
+              <a:rPr lang="es-ES"/>
               <a:t>Cuarto nivel</a:t>
             </a:r>
           </a:p>
           <a:p>
             <a:pPr lvl="4"/>
             <a:r>
-              <a:rPr lang="es-ES" smtClean="0"/>
+              <a:rPr lang="es-ES"/>
               <a:t>Quinto nivel</a:t>
             </a:r>
             <a:endParaRPr lang="en-US"/>
@@ -920,7 +939,7 @@
           <a:p>
             <a:fld id="{8EDCD8F2-0E00-4DB1-AF42-C40CDABB7075}" type="datetimeFigureOut">
               <a:rPr lang="es-MX" smtClean="0"/>
-              <a:t>01/05/2017</a:t>
+              <a:t>12/05/2017</a:t>
             </a:fld>
             <a:endParaRPr lang="es-MX"/>
           </a:p>
@@ -1009,7 +1028,7 @@
           <a:lstStyle/>
           <a:p>
             <a:r>
-              <a:rPr lang="es-ES" smtClean="0"/>
+              <a:rPr lang="es-ES"/>
               <a:t>Haga clic para modificar el estilo de título del patrón</a:t>
             </a:r>
             <a:endParaRPr lang="en-US"/>
@@ -1033,35 +1052,35 @@
           <a:p>
             <a:pPr lvl="0"/>
             <a:r>
-              <a:rPr lang="es-ES" smtClean="0"/>
+              <a:rPr lang="es-ES"/>
               <a:t>Haga clic para modificar el estilo de texto del patrón</a:t>
             </a:r>
           </a:p>
           <a:p>
             <a:pPr lvl="1"/>
             <a:r>
-              <a:rPr lang="es-ES" smtClean="0"/>
+              <a:rPr lang="es-ES"/>
               <a:t>Segundo nivel</a:t>
             </a:r>
           </a:p>
           <a:p>
             <a:pPr lvl="2"/>
             <a:r>
-              <a:rPr lang="es-ES" smtClean="0"/>
+              <a:rPr lang="es-ES"/>
               <a:t>Tercer nivel</a:t>
             </a:r>
           </a:p>
           <a:p>
             <a:pPr lvl="3"/>
             <a:r>
-              <a:rPr lang="es-ES" smtClean="0"/>
+              <a:rPr lang="es-ES"/>
               <a:t>Cuarto nivel</a:t>
             </a:r>
           </a:p>
           <a:p>
             <a:pPr lvl="4"/>
             <a:r>
-              <a:rPr lang="es-ES" smtClean="0"/>
+              <a:rPr lang="es-ES"/>
               <a:t>Quinto nivel</a:t>
             </a:r>
             <a:endParaRPr lang="en-US" dirty="0"/>
@@ -1085,7 +1104,7 @@
           <a:p>
             <a:fld id="{8EDCD8F2-0E00-4DB1-AF42-C40CDABB7075}" type="datetimeFigureOut">
               <a:rPr lang="es-MX" smtClean="0"/>
-              <a:t>01/05/2017</a:t>
+              <a:t>12/05/2017</a:t>
             </a:fld>
             <a:endParaRPr lang="es-MX"/>
           </a:p>
@@ -1468,7 +1487,7 @@
               <a:defRPr/>
             </a:pPr>
             <a:r>
-              <a:rPr lang="es-ES" smtClean="0"/>
+              <a:rPr lang="es-ES"/>
               <a:t>Haga clic para modificar el estilo de título del patrón</a:t>
             </a:r>
             <a:endParaRPr lang="en-US" dirty="0"/>
@@ -1615,7 +1634,7 @@
               <a:defRPr/>
             </a:pPr>
             <a:r>
-              <a:rPr lang="es-ES" smtClean="0"/>
+              <a:rPr lang="es-ES"/>
               <a:t>Haga clic para modificar el estilo de texto del patrón</a:t>
             </a:r>
           </a:p>
@@ -1638,7 +1657,7 @@
           <a:p>
             <a:fld id="{8EDCD8F2-0E00-4DB1-AF42-C40CDABB7075}" type="datetimeFigureOut">
               <a:rPr lang="es-MX" smtClean="0"/>
-              <a:t>01/05/2017</a:t>
+              <a:t>12/05/2017</a:t>
             </a:fld>
             <a:endParaRPr lang="es-MX"/>
           </a:p>
@@ -1761,35 +1780,35 @@
           <a:p>
             <a:pPr lvl="0"/>
             <a:r>
-              <a:rPr lang="es-ES" smtClean="0"/>
+              <a:rPr lang="es-ES"/>
               <a:t>Haga clic para modificar el estilo de texto del patrón</a:t>
             </a:r>
           </a:p>
           <a:p>
             <a:pPr lvl="1"/>
             <a:r>
-              <a:rPr lang="es-ES" smtClean="0"/>
+              <a:rPr lang="es-ES"/>
               <a:t>Segundo nivel</a:t>
             </a:r>
           </a:p>
           <a:p>
             <a:pPr lvl="2"/>
             <a:r>
-              <a:rPr lang="es-ES" smtClean="0"/>
+              <a:rPr lang="es-ES"/>
               <a:t>Tercer nivel</a:t>
             </a:r>
           </a:p>
           <a:p>
             <a:pPr lvl="3"/>
             <a:r>
-              <a:rPr lang="es-ES" smtClean="0"/>
+              <a:rPr lang="es-ES"/>
               <a:t>Cuarto nivel</a:t>
             </a:r>
           </a:p>
           <a:p>
             <a:pPr lvl="4"/>
             <a:r>
-              <a:rPr lang="es-ES" smtClean="0"/>
+              <a:rPr lang="es-ES"/>
               <a:t>Quinto nivel</a:t>
             </a:r>
             <a:endParaRPr lang="en-US" dirty="0"/>
@@ -1846,35 +1865,35 @@
           <a:p>
             <a:pPr lvl="0"/>
             <a:r>
-              <a:rPr lang="es-ES" smtClean="0"/>
+              <a:rPr lang="es-ES"/>
               <a:t>Haga clic para modificar el estilo de texto del patrón</a:t>
             </a:r>
           </a:p>
           <a:p>
             <a:pPr lvl="1"/>
             <a:r>
-              <a:rPr lang="es-ES" smtClean="0"/>
+              <a:rPr lang="es-ES"/>
               <a:t>Segundo nivel</a:t>
             </a:r>
           </a:p>
           <a:p>
             <a:pPr lvl="2"/>
             <a:r>
-              <a:rPr lang="es-ES" smtClean="0"/>
+              <a:rPr lang="es-ES"/>
               <a:t>Tercer nivel</a:t>
             </a:r>
           </a:p>
           <a:p>
             <a:pPr lvl="3"/>
             <a:r>
-              <a:rPr lang="es-ES" smtClean="0"/>
+              <a:rPr lang="es-ES"/>
               <a:t>Cuarto nivel</a:t>
             </a:r>
           </a:p>
           <a:p>
             <a:pPr lvl="4"/>
             <a:r>
-              <a:rPr lang="es-ES" smtClean="0"/>
+              <a:rPr lang="es-ES"/>
               <a:t>Quinto nivel</a:t>
             </a:r>
             <a:endParaRPr lang="en-US" dirty="0"/>
@@ -1898,7 +1917,7 @@
           <a:p>
             <a:fld id="{8EDCD8F2-0E00-4DB1-AF42-C40CDABB7075}" type="datetimeFigureOut">
               <a:rPr lang="es-MX" smtClean="0"/>
-              <a:t>01/05/2017</a:t>
+              <a:t>12/05/2017</a:t>
             </a:fld>
             <a:endParaRPr lang="es-MX"/>
           </a:p>
@@ -1962,7 +1981,7 @@
           <a:lstStyle/>
           <a:p>
             <a:r>
-              <a:rPr lang="es-ES" smtClean="0"/>
+              <a:rPr lang="es-ES"/>
               <a:t>Haga clic para modificar el estilo de título del patrón</a:t>
             </a:r>
             <a:endParaRPr lang="en-US"/>
@@ -2014,7 +2033,7 @@
           </a:lstStyle>
           <a:p>
             <a:r>
-              <a:rPr lang="es-ES" smtClean="0"/>
+              <a:rPr lang="es-ES"/>
               <a:t>Haga clic para modificar el estilo de título del patrón</a:t>
             </a:r>
             <a:endParaRPr lang="en-US"/>
@@ -2104,7 +2123,7 @@
               <a:buNone/>
             </a:pPr>
             <a:r>
-              <a:rPr lang="es-ES" smtClean="0"/>
+              <a:rPr lang="es-ES"/>
               <a:t>Haga clic para modificar el estilo de texto del patrón</a:t>
             </a:r>
           </a:p>
@@ -2160,35 +2179,35 @@
           <a:p>
             <a:pPr lvl="0"/>
             <a:r>
-              <a:rPr lang="es-ES" smtClean="0"/>
+              <a:rPr lang="es-ES"/>
               <a:t>Haga clic para modificar el estilo de texto del patrón</a:t>
             </a:r>
           </a:p>
           <a:p>
             <a:pPr lvl="1"/>
             <a:r>
-              <a:rPr lang="es-ES" smtClean="0"/>
+              <a:rPr lang="es-ES"/>
               <a:t>Segundo nivel</a:t>
             </a:r>
           </a:p>
           <a:p>
             <a:pPr lvl="2"/>
             <a:r>
-              <a:rPr lang="es-ES" smtClean="0"/>
+              <a:rPr lang="es-ES"/>
               <a:t>Tercer nivel</a:t>
             </a:r>
           </a:p>
           <a:p>
             <a:pPr lvl="3"/>
             <a:r>
-              <a:rPr lang="es-ES" smtClean="0"/>
+              <a:rPr lang="es-ES"/>
               <a:t>Cuarto nivel</a:t>
             </a:r>
           </a:p>
           <a:p>
             <a:pPr lvl="4"/>
             <a:r>
-              <a:rPr lang="es-ES" smtClean="0"/>
+              <a:rPr lang="es-ES"/>
               <a:t>Quinto nivel</a:t>
             </a:r>
             <a:endParaRPr lang="en-US" dirty="0"/>
@@ -2278,7 +2297,7 @@
               <a:buNone/>
             </a:pPr>
             <a:r>
-              <a:rPr lang="es-ES" smtClean="0"/>
+              <a:rPr lang="es-ES"/>
               <a:t>Haga clic para modificar el estilo de texto del patrón</a:t>
             </a:r>
           </a:p>
@@ -2334,35 +2353,35 @@
           <a:p>
             <a:pPr lvl="0"/>
             <a:r>
-              <a:rPr lang="es-ES" smtClean="0"/>
+              <a:rPr lang="es-ES"/>
               <a:t>Haga clic para modificar el estilo de texto del patrón</a:t>
             </a:r>
           </a:p>
           <a:p>
             <a:pPr lvl="1"/>
             <a:r>
-              <a:rPr lang="es-ES" smtClean="0"/>
+              <a:rPr lang="es-ES"/>
               <a:t>Segundo nivel</a:t>
             </a:r>
           </a:p>
           <a:p>
             <a:pPr lvl="2"/>
             <a:r>
-              <a:rPr lang="es-ES" smtClean="0"/>
+              <a:rPr lang="es-ES"/>
               <a:t>Tercer nivel</a:t>
             </a:r>
           </a:p>
           <a:p>
             <a:pPr lvl="3"/>
             <a:r>
-              <a:rPr lang="es-ES" smtClean="0"/>
+              <a:rPr lang="es-ES"/>
               <a:t>Cuarto nivel</a:t>
             </a:r>
           </a:p>
           <a:p>
             <a:pPr lvl="4"/>
             <a:r>
-              <a:rPr lang="es-ES" smtClean="0"/>
+              <a:rPr lang="es-ES"/>
               <a:t>Quinto nivel</a:t>
             </a:r>
             <a:endParaRPr lang="en-US" dirty="0"/>
@@ -2386,7 +2405,7 @@
           <a:p>
             <a:fld id="{8EDCD8F2-0E00-4DB1-AF42-C40CDABB7075}" type="datetimeFigureOut">
               <a:rPr lang="es-MX" smtClean="0"/>
-              <a:t>01/05/2017</a:t>
+              <a:t>12/05/2017</a:t>
             </a:fld>
             <a:endParaRPr lang="es-MX"/>
           </a:p>
@@ -2475,7 +2494,7 @@
           <a:lstStyle/>
           <a:p>
             <a:r>
-              <a:rPr lang="es-ES" smtClean="0"/>
+              <a:rPr lang="es-ES"/>
               <a:t>Haga clic para modificar el estilo de título del patrón</a:t>
             </a:r>
             <a:endParaRPr lang="en-US"/>
@@ -2499,7 +2518,7 @@
           <a:p>
             <a:fld id="{8EDCD8F2-0E00-4DB1-AF42-C40CDABB7075}" type="datetimeFigureOut">
               <a:rPr lang="es-MX" smtClean="0"/>
-              <a:t>01/05/2017</a:t>
+              <a:t>12/05/2017</a:t>
             </a:fld>
             <a:endParaRPr lang="es-MX"/>
           </a:p>
@@ -2589,7 +2608,7 @@
           <a:p>
             <a:fld id="{8EDCD8F2-0E00-4DB1-AF42-C40CDABB7075}" type="datetimeFigureOut">
               <a:rPr lang="es-MX" smtClean="0"/>
-              <a:t>01/05/2017</a:t>
+              <a:t>12/05/2017</a:t>
             </a:fld>
             <a:endParaRPr lang="es-MX"/>
           </a:p>
@@ -2818,7 +2837,7 @@
               <a:defRPr/>
             </a:pPr>
             <a:r>
-              <a:rPr lang="es-ES" smtClean="0"/>
+              <a:rPr lang="es-ES"/>
               <a:t>Haga clic para modificar el estilo de título del patrón</a:t>
             </a:r>
             <a:endParaRPr lang="en-US" dirty="0"/>
@@ -2875,35 +2894,35 @@
           <a:p>
             <a:pPr lvl="0"/>
             <a:r>
-              <a:rPr lang="es-ES" smtClean="0"/>
+              <a:rPr lang="es-ES"/>
               <a:t>Haga clic para modificar el estilo de texto del patrón</a:t>
             </a:r>
           </a:p>
           <a:p>
             <a:pPr lvl="1"/>
             <a:r>
-              <a:rPr lang="es-ES" smtClean="0"/>
+              <a:rPr lang="es-ES"/>
               <a:t>Segundo nivel</a:t>
             </a:r>
           </a:p>
           <a:p>
             <a:pPr lvl="2"/>
             <a:r>
-              <a:rPr lang="es-ES" smtClean="0"/>
+              <a:rPr lang="es-ES"/>
               <a:t>Tercer nivel</a:t>
             </a:r>
           </a:p>
           <a:p>
             <a:pPr lvl="3"/>
             <a:r>
-              <a:rPr lang="es-ES" smtClean="0"/>
+              <a:rPr lang="es-ES"/>
               <a:t>Cuarto nivel</a:t>
             </a:r>
           </a:p>
           <a:p>
             <a:pPr lvl="4"/>
             <a:r>
-              <a:rPr lang="es-ES" smtClean="0"/>
+              <a:rPr lang="es-ES"/>
               <a:t>Quinto nivel</a:t>
             </a:r>
             <a:endParaRPr lang="en-US" dirty="0"/>
@@ -2996,7 +3015,7 @@
               <a:defRPr/>
             </a:pPr>
             <a:r>
-              <a:rPr lang="es-ES" smtClean="0"/>
+              <a:rPr lang="es-ES"/>
               <a:t>Haga clic para modificar el estilo de texto del patrón</a:t>
             </a:r>
           </a:p>
@@ -3019,7 +3038,7 @@
           <a:p>
             <a:fld id="{8EDCD8F2-0E00-4DB1-AF42-C40CDABB7075}" type="datetimeFigureOut">
               <a:rPr lang="es-MX" smtClean="0"/>
-              <a:t>01/05/2017</a:t>
+              <a:t>12/05/2017</a:t>
             </a:fld>
             <a:endParaRPr lang="es-MX"/>
           </a:p>
@@ -3272,7 +3291,7 @@
           </a:lstStyle>
           <a:p>
             <a:r>
-              <a:rPr lang="es-ES" smtClean="0"/>
+              <a:rPr lang="es-ES"/>
               <a:t>Haga clic en el icono para agregar una imagen</a:t>
             </a:r>
             <a:endParaRPr lang="en-US" dirty="0"/>
@@ -3459,7 +3478,7 @@
           </a:lstStyle>
           <a:p>
             <a:r>
-              <a:rPr lang="es-ES" smtClean="0"/>
+              <a:rPr lang="es-ES"/>
               <a:t>Haga clic para modificar el estilo de título del patrón</a:t>
             </a:r>
             <a:endParaRPr lang="en-US" dirty="0"/>
@@ -3529,7 +3548,7 @@
           <a:p>
             <a:pPr lvl="0"/>
             <a:r>
-              <a:rPr lang="es-ES" smtClean="0"/>
+              <a:rPr lang="es-ES"/>
               <a:t>Haga clic para modificar el estilo de texto del patrón</a:t>
             </a:r>
           </a:p>
@@ -3552,7 +3571,7 @@
           <a:p>
             <a:fld id="{8EDCD8F2-0E00-4DB1-AF42-C40CDABB7075}" type="datetimeFigureOut">
               <a:rPr lang="es-MX" smtClean="0"/>
-              <a:t>01/05/2017</a:t>
+              <a:t>12/05/2017</a:t>
             </a:fld>
             <a:endParaRPr lang="es-MX"/>
           </a:p>
@@ -4290,7 +4309,7 @@
           <a:lstStyle/>
           <a:p>
             <a:r>
-              <a:rPr lang="es-ES" smtClean="0"/>
+              <a:rPr lang="es-ES"/>
               <a:t>Haga clic para modificar el estilo de título del patrón</a:t>
             </a:r>
             <a:endParaRPr lang="en-US" dirty="0"/>
@@ -4324,35 +4343,35 @@
           <a:p>
             <a:pPr lvl="0"/>
             <a:r>
-              <a:rPr lang="es-ES" smtClean="0"/>
+              <a:rPr lang="es-ES"/>
               <a:t>Haga clic para modificar el estilo de texto del patrón</a:t>
             </a:r>
           </a:p>
           <a:p>
             <a:pPr lvl="1"/>
             <a:r>
-              <a:rPr lang="es-ES" smtClean="0"/>
+              <a:rPr lang="es-ES"/>
               <a:t>Segundo nivel</a:t>
             </a:r>
           </a:p>
           <a:p>
             <a:pPr lvl="2"/>
             <a:r>
-              <a:rPr lang="es-ES" smtClean="0"/>
+              <a:rPr lang="es-ES"/>
               <a:t>Tercer nivel</a:t>
             </a:r>
           </a:p>
           <a:p>
             <a:pPr lvl="3"/>
             <a:r>
-              <a:rPr lang="es-ES" smtClean="0"/>
+              <a:rPr lang="es-ES"/>
               <a:t>Cuarto nivel</a:t>
             </a:r>
           </a:p>
           <a:p>
             <a:pPr lvl="4"/>
             <a:r>
-              <a:rPr lang="es-ES" smtClean="0"/>
+              <a:rPr lang="es-ES"/>
               <a:t>Quinto nivel</a:t>
             </a:r>
             <a:endParaRPr lang="en-US" dirty="0"/>
@@ -4392,7 +4411,7 @@
           <a:p>
             <a:fld id="{8EDCD8F2-0E00-4DB1-AF42-C40CDABB7075}" type="datetimeFigureOut">
               <a:rPr lang="es-MX" smtClean="0"/>
-              <a:t>01/05/2017</a:t>
+              <a:t>12/05/2017</a:t>
             </a:fld>
             <a:endParaRPr lang="es-MX"/>
           </a:p>
@@ -4812,10 +4831,9 @@
           <a:lstStyle/>
           <a:p>
             <a:r>
-              <a:rPr lang="es-MX" dirty="0" smtClean="0"/>
-              <a:t>TOYANOS</a:t>
-            </a:r>
-            <a:endParaRPr lang="es-MX" dirty="0"/>
+              <a:rPr lang="es-MX" dirty="0"/>
+              <a:t>TROYANOS</a:t>
+            </a:r>
           </a:p>
         </p:txBody>
       </p:sp>
@@ -4831,12 +4849,14 @@
         </p:nvSpPr>
         <p:spPr>
           <a:xfrm>
-            <a:off x="2051720" y="2780928"/>
-            <a:ext cx="6400800" cy="1752600"/>
+            <a:off x="1011560" y="2348880"/>
+            <a:ext cx="7480920" cy="2400672"/>
           </a:xfrm>
         </p:spPr>
         <p:txBody>
-          <a:bodyPr/>
+          <a:bodyPr>
+            <a:normAutofit/>
+          </a:bodyPr>
           <a:lstStyle/>
           <a:p>
             <a:pPr marL="457200" indent="-457200">
@@ -4844,7 +4864,7 @@
               <a:buChar char="q"/>
             </a:pPr>
             <a:r>
-              <a:rPr lang="es-MX" dirty="0">
+              <a:rPr lang="es-MX" sz="2400" dirty="0">
                 <a:solidFill>
                   <a:schemeClr val="tx1"/>
                 </a:solidFill>
@@ -4858,47 +4878,12 @@
               <a:buChar char="q"/>
             </a:pPr>
             <a:r>
-              <a:rPr lang="es-MX" dirty="0">
+              <a:rPr lang="es-MX" sz="2400" dirty="0">
                 <a:solidFill>
                   <a:schemeClr val="tx1"/>
                 </a:solidFill>
               </a:rPr>
-              <a:t>Beltrán Villanueva </a:t>
-            </a:r>
-            <a:r>
-              <a:rPr lang="es-MX" dirty="0" err="1">
-                <a:solidFill>
-                  <a:schemeClr val="tx1"/>
-                </a:solidFill>
-              </a:rPr>
-              <a:t>Ibzán</a:t>
-            </a:r>
-            <a:endParaRPr lang="es-MX" dirty="0">
-              <a:solidFill>
-                <a:schemeClr val="tx1"/>
-              </a:solidFill>
-            </a:endParaRPr>
-          </a:p>
-          <a:p>
-            <a:pPr marL="457200" indent="-457200">
-              <a:buFont typeface="Wingdings" panose="05000000000000000000" pitchFamily="2" charset="2"/>
-              <a:buChar char="q"/>
-            </a:pPr>
-            <a:r>
-              <a:rPr lang="es-MX" dirty="0" smtClean="0">
-                <a:solidFill>
-                  <a:schemeClr val="tx1"/>
-                </a:solidFill>
-              </a:rPr>
-              <a:t>Márquez </a:t>
-            </a:r>
-            <a:r>
-              <a:rPr lang="es-MX" dirty="0">
-                <a:solidFill>
-                  <a:schemeClr val="tx1"/>
-                </a:solidFill>
-              </a:rPr>
-              <a:t>Valdez Luis</a:t>
+              <a:t>Márquez Valdez Luis</a:t>
             </a:r>
           </a:p>
           <a:p>
@@ -4906,7 +4891,7 @@
               <a:buFont typeface="Wingdings" panose="05000000000000000000" pitchFamily="2" charset="2"/>
               <a:buChar char="q"/>
             </a:pPr>
-            <a:endParaRPr lang="es-MX" dirty="0"/>
+            <a:endParaRPr lang="es-MX" sz="2800" dirty="0"/>
           </a:p>
         </p:txBody>
       </p:sp>
@@ -4920,13 +4905,6 @@
   <p:clrMapOvr>
     <a:masterClrMapping/>
   </p:clrMapOvr>
-  <p:timing>
-    <p:tnLst>
-      <p:par>
-        <p:cTn id="1" dur="indefinite" restart="never" nodeType="tmRoot"/>
-      </p:par>
-    </p:tnLst>
-  </p:timing>
 </p:sld>
 </file>
 
@@ -4963,10 +4941,9 @@
           <a:lstStyle/>
           <a:p>
             <a:r>
-              <a:rPr lang="es-MX" dirty="0" smtClean="0"/>
-              <a:t>ACTUALMENTE</a:t>
-            </a:r>
-            <a:endParaRPr lang="es-MX" dirty="0"/>
+              <a:rPr lang="es-MX" dirty="0"/>
+              <a:t>Actualmente</a:t>
+            </a:r>
           </a:p>
         </p:txBody>
       </p:sp>
@@ -4980,7 +4957,12 @@
             <p:ph idx="1"/>
           </p:nvPr>
         </p:nvSpPr>
-        <p:spPr/>
+        <p:spPr>
+          <a:xfrm>
+            <a:off x="817693" y="1196752"/>
+            <a:ext cx="7520940" cy="4032448"/>
+          </a:xfrm>
+        </p:spPr>
         <p:txBody>
           <a:bodyPr>
             <a:normAutofit/>
@@ -4992,7 +4974,7 @@
               <a:buChar char="•"/>
             </a:pPr>
             <a:r>
-              <a:rPr lang="es-MX" dirty="0" smtClean="0"/>
+              <a:rPr lang="es-MX" sz="2000" b="0" dirty="0"/>
               <a:t>El acceso a la información es una necesidad.</a:t>
             </a:r>
           </a:p>
@@ -5002,7 +4984,7 @@
               <a:buChar char="•"/>
             </a:pPr>
             <a:r>
-              <a:rPr lang="es-MX" dirty="0" smtClean="0"/>
+              <a:rPr lang="es-MX" sz="2000" b="0" dirty="0"/>
               <a:t>La falta de eficacia en bases de datos ocasiona la perdida de confianza y registro en una empresa, así como información crucial para el desarrollo de la misma.</a:t>
             </a:r>
           </a:p>
@@ -5012,22 +4994,9 @@
               <a:buChar char="•"/>
             </a:pPr>
             <a:r>
-              <a:rPr lang="es-MX" dirty="0"/>
-              <a:t>Sin </a:t>
-            </a:r>
-            <a:r>
-              <a:rPr lang="es-MX" dirty="0" smtClean="0"/>
-              <a:t>las bases de datos nuestro </a:t>
-            </a:r>
-            <a:r>
-              <a:rPr lang="es-MX" dirty="0"/>
-              <a:t>negocio no </a:t>
-            </a:r>
-            <a:r>
-              <a:rPr lang="es-MX" dirty="0" smtClean="0"/>
-              <a:t>puede funcionar con gran cantidad de clientes.</a:t>
-            </a:r>
-            <a:endParaRPr lang="es-MX" dirty="0"/>
+              <a:rPr lang="es-MX" sz="2000" b="0" dirty="0"/>
+              <a:t>Sin las bases de datos nuestro negocio no puede funcionar con gran cantidad de clientes.</a:t>
+            </a:r>
           </a:p>
           <a:p>
             <a:pPr>
@@ -5035,7 +5004,7 @@
               <a:buChar char="•"/>
             </a:pPr>
             <a:r>
-              <a:rPr lang="es-MX" dirty="0" smtClean="0"/>
+              <a:rPr lang="es-MX" sz="2000" b="0" dirty="0"/>
               <a:t>La búsqueda en formatos físicos de la información taxonómica, puede llegar a prolongar el proyecto de manera innecesaria, perdiendo hasta un día entero de productividad resultado de la ineficacia de acceso a la información.</a:t>
             </a:r>
           </a:p>
@@ -5044,10 +5013,10 @@
               <a:buFont typeface="Arial" panose="020B0604020202020204" pitchFamily="34" charset="0"/>
               <a:buChar char="•"/>
             </a:pPr>
-            <a:endParaRPr lang="es-MX" dirty="0" smtClean="0"/>
-          </a:p>
-          <a:p>
-            <a:endParaRPr lang="es-MX" dirty="0"/>
+            <a:endParaRPr lang="es-MX" sz="2000" dirty="0"/>
+          </a:p>
+          <a:p>
+            <a:endParaRPr lang="es-MX" sz="2000" dirty="0"/>
           </a:p>
         </p:txBody>
       </p:sp>
@@ -5061,13 +5030,6 @@
   <p:clrMapOvr>
     <a:masterClrMapping/>
   </p:clrMapOvr>
-  <p:timing>
-    <p:tnLst>
-      <p:par>
-        <p:cTn id="1" dur="indefinite" restart="never" nodeType="tmRoot"/>
-      </p:par>
-    </p:tnLst>
-  </p:timing>
 </p:sld>
 </file>
 
@@ -5103,12 +5065,10 @@
           <a:bodyPr/>
           <a:lstStyle/>
           <a:p>
-            <a:pPr algn="ctr"/>
-            <a:r>
-              <a:rPr lang="es-MX" dirty="0" smtClean="0"/>
+            <a:r>
+              <a:rPr lang="es-MX" dirty="0"/>
               <a:t>PROYECTO TROYANOS</a:t>
             </a:r>
-            <a:endParaRPr lang="es-MX" dirty="0"/>
           </a:p>
         </p:txBody>
       </p:sp>
@@ -5122,20 +5082,55 @@
             <p:ph idx="1"/>
           </p:nvPr>
         </p:nvSpPr>
-        <p:spPr/>
-        <p:txBody>
-          <a:bodyPr/>
-          <a:lstStyle/>
-          <a:p>
-            <a:r>
-              <a:rPr lang="es-MX" dirty="0" smtClean="0"/>
-              <a:t>-Hemos hecho el proyecto TROYANOS.</a:t>
-            </a:r>
-          </a:p>
-          <a:p>
-            <a:r>
-              <a:rPr lang="es-MX" dirty="0" smtClean="0"/>
-              <a:t>-Proyecto donde jóvenes como yo accedemos y /o registramos, así como actualizamos de manera instantánea la información de alguna especie de América Central y el Caribe.</a:t>
+        <p:spPr>
+          <a:xfrm>
+            <a:off x="822960" y="1484784"/>
+            <a:ext cx="7520940" cy="3339709"/>
+          </a:xfrm>
+        </p:spPr>
+        <p:txBody>
+          <a:bodyPr>
+            <a:normAutofit/>
+          </a:bodyPr>
+          <a:lstStyle/>
+          <a:p>
+            <a:pPr>
+              <a:buFont typeface="Arial" panose="020B0604020202020204" pitchFamily="34" charset="0"/>
+              <a:buChar char="•"/>
+            </a:pPr>
+            <a:r>
+              <a:rPr lang="es-MX" sz="2000" b="0" dirty="0"/>
+              <a:t>Facilita el acceso a información de especies de América Central, América del Sur y el Caribe</a:t>
+            </a:r>
+          </a:p>
+          <a:p>
+            <a:pPr>
+              <a:buFont typeface="Arial" panose="020B0604020202020204" pitchFamily="34" charset="0"/>
+              <a:buChar char="•"/>
+            </a:pPr>
+            <a:r>
+              <a:rPr lang="es-MX" sz="2000" b="0" dirty="0"/>
+              <a:t>Permite que el público general consulte datos sobre su especie de preferencia</a:t>
+            </a:r>
+          </a:p>
+          <a:p>
+            <a:pPr>
+              <a:buFont typeface="Arial" panose="020B0604020202020204" pitchFamily="34" charset="0"/>
+              <a:buChar char="•"/>
+            </a:pPr>
+            <a:r>
+              <a:rPr lang="es-MX" sz="2000" b="0" dirty="0"/>
+              <a:t>Ofrece un sistema capaz de actualizar, remover o añadir nuevos registros sobre especies</a:t>
+            </a:r>
+          </a:p>
+          <a:p>
+            <a:pPr>
+              <a:buFont typeface="Arial" panose="020B0604020202020204" pitchFamily="34" charset="0"/>
+              <a:buChar char="•"/>
+            </a:pPr>
+            <a:r>
+              <a:rPr lang="es-MX" sz="2000" b="0" dirty="0"/>
+              <a:t>Es fácil de usar y es agradable a la vista</a:t>
             </a:r>
           </a:p>
         </p:txBody>
@@ -5150,13 +5145,6 @@
   <p:clrMapOvr>
     <a:masterClrMapping/>
   </p:clrMapOvr>
-  <p:timing>
-    <p:tnLst>
-      <p:par>
-        <p:cTn id="1" dur="indefinite" restart="never" nodeType="tmRoot"/>
-      </p:par>
-    </p:tnLst>
-  </p:timing>
 </p:sld>
 </file>
 
@@ -5266,13 +5254,6 @@
   <p:clrMapOvr>
     <a:masterClrMapping/>
   </p:clrMapOvr>
-  <p:timing>
-    <p:tnLst>
-      <p:par>
-        <p:cTn id="1" dur="indefinite" restart="never" nodeType="tmRoot"/>
-      </p:par>
-    </p:tnLst>
-  </p:timing>
 </p:sld>
 </file>
 
@@ -5309,10 +5290,9 @@
           <a:lstStyle/>
           <a:p>
             <a:r>
-              <a:rPr lang="es-MX" dirty="0" smtClean="0"/>
-              <a:t>EL APOYO DE LOS CONTRIBUYENTES</a:t>
-            </a:r>
-            <a:endParaRPr lang="es-MX" dirty="0"/>
+              <a:rPr lang="es-MX" dirty="0"/>
+              <a:t>Beneficios (Como empresa)</a:t>
+            </a:r>
           </a:p>
         </p:txBody>
       </p:sp>
@@ -5326,9 +5306,16 @@
             <p:ph idx="1"/>
           </p:nvPr>
         </p:nvSpPr>
-        <p:spPr/>
-        <p:txBody>
-          <a:bodyPr/>
+        <p:spPr>
+          <a:xfrm>
+            <a:off x="822960" y="1556792"/>
+            <a:ext cx="7520940" cy="3123685"/>
+          </a:xfrm>
+        </p:spPr>
+        <p:txBody>
+          <a:bodyPr>
+            <a:normAutofit/>
+          </a:bodyPr>
           <a:lstStyle/>
           <a:p>
             <a:pPr>
@@ -5336,8 +5323,8 @@
               <a:buChar char="-"/>
             </a:pPr>
             <a:r>
-              <a:rPr lang="es-MX" dirty="0" smtClean="0"/>
-              <a:t>Con el apoyo de los contribuyentes, ampliaremos la base de datos, su numero de usuarios, y de igual manera la ligaremos a instituciones confiables.</a:t>
+              <a:rPr lang="es-MX" sz="2000" b="0" dirty="0"/>
+              <a:t>Permite el control del sistema estableciendo usuarios para el público y para los administradores</a:t>
             </a:r>
           </a:p>
           <a:p>
@@ -5345,7 +5332,27 @@
               <a:buFontTx/>
               <a:buChar char="-"/>
             </a:pPr>
-            <a:endParaRPr lang="es-MX" dirty="0"/>
+            <a:r>
+              <a:rPr lang="es-MX" sz="2000" b="0" dirty="0"/>
+              <a:t>Con el apoyo de los contribuyentes, ampliaremos la base de datos, su numero de usuarios, y de igual manera la ligaremos a instituciones confiables.</a:t>
+            </a:r>
+          </a:p>
+          <a:p>
+            <a:pPr>
+              <a:buFontTx/>
+              <a:buChar char="-"/>
+            </a:pPr>
+            <a:r>
+              <a:rPr lang="es-MX" sz="2000" b="0" dirty="0"/>
+              <a:t>El sistema cuenta con seguridad y previene robo de información</a:t>
+            </a:r>
+          </a:p>
+          <a:p>
+            <a:pPr>
+              <a:buFontTx/>
+              <a:buChar char="-"/>
+            </a:pPr>
+            <a:endParaRPr lang="es-MX" sz="2000" b="0" dirty="0"/>
           </a:p>
         </p:txBody>
       </p:sp>
@@ -5359,13 +5366,6 @@
   <p:clrMapOvr>
     <a:masterClrMapping/>
   </p:clrMapOvr>
-  <p:timing>
-    <p:tnLst>
-      <p:par>
-        <p:cTn id="1" dur="indefinite" restart="never" nodeType="tmRoot"/>
-      </p:par>
-    </p:tnLst>
-  </p:timing>
 </p:sld>
 </file>
 
@@ -5402,10 +5402,358 @@
           <a:lstStyle/>
           <a:p>
             <a:r>
-              <a:rPr lang="es-MX" dirty="0" smtClean="0"/>
+              <a:rPr lang="es-MX" dirty="0"/>
+              <a:t>Beneficios (Como TECNICOS)</a:t>
+            </a:r>
+          </a:p>
+        </p:txBody>
+      </p:sp>
+      <p:sp>
+        <p:nvSpPr>
+          <p:cNvPr id="3" name="2 Marcador de contenido"/>
+          <p:cNvSpPr>
+            <a:spLocks noGrp="1"/>
+          </p:cNvSpPr>
+          <p:nvPr>
+            <p:ph idx="1"/>
+          </p:nvPr>
+        </p:nvSpPr>
+        <p:spPr>
+          <a:xfrm>
+            <a:off x="822960" y="1556792"/>
+            <a:ext cx="7520940" cy="3123685"/>
+          </a:xfrm>
+        </p:spPr>
+        <p:txBody>
+          <a:bodyPr>
+            <a:normAutofit/>
+          </a:bodyPr>
+          <a:lstStyle/>
+          <a:p>
+            <a:pPr>
+              <a:buFontTx/>
+              <a:buChar char="-"/>
+            </a:pPr>
+            <a:r>
+              <a:rPr lang="es-MX" sz="2000" b="0" dirty="0"/>
+              <a:t>El sistema cuenta con un </a:t>
+            </a:r>
+            <a:r>
+              <a:rPr lang="es-MX" sz="2000" b="0" dirty="0" err="1"/>
+              <a:t>readme</a:t>
+            </a:r>
+            <a:r>
+              <a:rPr lang="es-MX" sz="2000" b="0" dirty="0"/>
+              <a:t> útil para la instalación</a:t>
+            </a:r>
+          </a:p>
+          <a:p>
+            <a:pPr>
+              <a:buFontTx/>
+              <a:buChar char="-"/>
+            </a:pPr>
+            <a:r>
+              <a:rPr lang="es-MX" sz="2000" b="0" dirty="0"/>
+              <a:t>Los archivos se encuentran bien ubicados y ordenados</a:t>
+            </a:r>
+          </a:p>
+          <a:p>
+            <a:pPr>
+              <a:buFontTx/>
+              <a:buChar char="-"/>
+            </a:pPr>
+            <a:r>
+              <a:rPr lang="es-MX" sz="2000" b="0" dirty="0"/>
+              <a:t>El código esta comentado </a:t>
+            </a:r>
+          </a:p>
+          <a:p>
+            <a:pPr>
+              <a:buFontTx/>
+              <a:buChar char="-"/>
+            </a:pPr>
+            <a:r>
+              <a:rPr lang="es-MX" sz="2000" b="0" dirty="0"/>
+              <a:t>Cuenta con validaciones</a:t>
+            </a:r>
+          </a:p>
+          <a:p>
+            <a:pPr>
+              <a:buFontTx/>
+              <a:buChar char="-"/>
+            </a:pPr>
+            <a:r>
+              <a:rPr lang="es-MX" sz="2000" b="0" dirty="0"/>
+              <a:t>Los tiempos de carga son </a:t>
+            </a:r>
+            <a:r>
+              <a:rPr lang="es-MX" sz="2000" b="0" dirty="0" err="1"/>
+              <a:t>minimos</a:t>
+            </a:r>
+            <a:r>
+              <a:rPr lang="es-MX" sz="2000" b="0" dirty="0"/>
+              <a:t> </a:t>
+            </a:r>
+          </a:p>
+          <a:p>
+            <a:pPr>
+              <a:buFontTx/>
+              <a:buChar char="-"/>
+            </a:pPr>
+            <a:r>
+              <a:rPr lang="es-MX" sz="2000" b="0" dirty="0"/>
+              <a:t>No existe un abarrotamiento de procesos en un solo archivo</a:t>
+            </a:r>
+          </a:p>
+          <a:p>
+            <a:pPr>
+              <a:buFontTx/>
+              <a:buChar char="-"/>
+            </a:pPr>
+            <a:endParaRPr lang="es-MX" sz="2000" b="0" dirty="0"/>
+          </a:p>
+          <a:p>
+            <a:pPr>
+              <a:buFontTx/>
+              <a:buChar char="-"/>
+            </a:pPr>
+            <a:endParaRPr lang="es-MX" sz="2000" b="0" dirty="0"/>
+          </a:p>
+        </p:txBody>
+      </p:sp>
+    </p:spTree>
+    <p:extLst>
+      <p:ext uri="{BB962C8B-B14F-4D97-AF65-F5344CB8AC3E}">
+        <p14:creationId xmlns:p14="http://schemas.microsoft.com/office/powerpoint/2010/main" val="3579494186"/>
+      </p:ext>
+    </p:extLst>
+  </p:cSld>
+  <p:clrMapOvr>
+    <a:masterClrMapping/>
+  </p:clrMapOvr>
+</p:sld>
+</file>
+
+<file path=ppt/slides/slide7.xml><?xml version="1.0" encoding="utf-8"?>
+<p:sld xmlns:a="http://schemas.openxmlformats.org/drawingml/2006/main" xmlns:r="http://schemas.openxmlformats.org/officeDocument/2006/relationships" xmlns:p="http://schemas.openxmlformats.org/presentationml/2006/main">
+  <p:cSld>
+    <p:spTree>
+      <p:nvGrpSpPr>
+        <p:cNvPr id="1" name=""/>
+        <p:cNvGrpSpPr/>
+        <p:nvPr/>
+      </p:nvGrpSpPr>
+      <p:grpSpPr>
+        <a:xfrm>
+          <a:off x="0" y="0"/>
+          <a:ext cx="0" cy="0"/>
+          <a:chOff x="0" y="0"/>
+          <a:chExt cx="0" cy="0"/>
+        </a:xfrm>
+      </p:grpSpPr>
+      <p:sp>
+        <p:nvSpPr>
+          <p:cNvPr id="2" name="Título 1"/>
+          <p:cNvSpPr>
+            <a:spLocks noGrp="1"/>
+          </p:cNvSpPr>
+          <p:nvPr>
+            <p:ph type="title"/>
+          </p:nvPr>
+        </p:nvSpPr>
+        <p:spPr/>
+        <p:txBody>
+          <a:bodyPr/>
+          <a:lstStyle/>
+          <a:p>
+            <a:endParaRPr lang="es-ES"/>
+          </a:p>
+        </p:txBody>
+      </p:sp>
+      <p:sp>
+        <p:nvSpPr>
+          <p:cNvPr id="3" name="Marcador de contenido 2"/>
+          <p:cNvSpPr>
+            <a:spLocks noGrp="1"/>
+          </p:cNvSpPr>
+          <p:nvPr>
+            <p:ph idx="1"/>
+          </p:nvPr>
+        </p:nvSpPr>
+        <p:spPr/>
+        <p:txBody>
+          <a:bodyPr/>
+          <a:lstStyle/>
+          <a:p>
+            <a:endParaRPr lang="es-ES"/>
+          </a:p>
+        </p:txBody>
+      </p:sp>
+      <p:pic>
+        <p:nvPicPr>
+          <p:cNvPr id="4" name="Imagen 3"/>
+          <p:cNvPicPr>
+            <a:picLocks noChangeAspect="1"/>
+          </p:cNvPicPr>
+          <p:nvPr/>
+        </p:nvPicPr>
+        <p:blipFill>
+          <a:blip r:embed="rId2"/>
+          <a:stretch>
+            <a:fillRect/>
+          </a:stretch>
+        </p:blipFill>
+        <p:spPr>
+          <a:xfrm>
+            <a:off x="323528" y="260648"/>
+            <a:ext cx="8596443" cy="6492239"/>
+          </a:xfrm>
+          <a:prstGeom prst="rect">
+            <a:avLst/>
+          </a:prstGeom>
+        </p:spPr>
+      </p:pic>
+    </p:spTree>
+    <p:extLst>
+      <p:ext uri="{BB962C8B-B14F-4D97-AF65-F5344CB8AC3E}">
+        <p14:creationId xmlns:p14="http://schemas.microsoft.com/office/powerpoint/2010/main" val="90694459"/>
+      </p:ext>
+    </p:extLst>
+  </p:cSld>
+  <p:clrMapOvr>
+    <a:masterClrMapping/>
+  </p:clrMapOvr>
+</p:sld>
+</file>
+
+<file path=ppt/slides/slide8.xml><?xml version="1.0" encoding="utf-8"?>
+<p:sld xmlns:a="http://schemas.openxmlformats.org/drawingml/2006/main" xmlns:r="http://schemas.openxmlformats.org/officeDocument/2006/relationships" xmlns:p="http://schemas.openxmlformats.org/presentationml/2006/main">
+  <p:cSld>
+    <p:spTree>
+      <p:nvGrpSpPr>
+        <p:cNvPr id="1" name=""/>
+        <p:cNvGrpSpPr/>
+        <p:nvPr/>
+      </p:nvGrpSpPr>
+      <p:grpSpPr>
+        <a:xfrm>
+          <a:off x="0" y="0"/>
+          <a:ext cx="0" cy="0"/>
+          <a:chOff x="0" y="0"/>
+          <a:chExt cx="0" cy="0"/>
+        </a:xfrm>
+      </p:grpSpPr>
+      <p:sp>
+        <p:nvSpPr>
+          <p:cNvPr id="2" name="Título 1"/>
+          <p:cNvSpPr>
+            <a:spLocks noGrp="1"/>
+          </p:cNvSpPr>
+          <p:nvPr>
+            <p:ph type="title"/>
+          </p:nvPr>
+        </p:nvSpPr>
+        <p:spPr/>
+        <p:txBody>
+          <a:bodyPr/>
+          <a:lstStyle/>
+          <a:p>
+            <a:endParaRPr lang="es-ES"/>
+          </a:p>
+        </p:txBody>
+      </p:sp>
+      <p:sp>
+        <p:nvSpPr>
+          <p:cNvPr id="3" name="Marcador de contenido 2"/>
+          <p:cNvSpPr>
+            <a:spLocks noGrp="1"/>
+          </p:cNvSpPr>
+          <p:nvPr>
+            <p:ph idx="1"/>
+          </p:nvPr>
+        </p:nvSpPr>
+        <p:spPr/>
+        <p:txBody>
+          <a:bodyPr/>
+          <a:lstStyle/>
+          <a:p>
+            <a:endParaRPr lang="es-ES"/>
+          </a:p>
+        </p:txBody>
+      </p:sp>
+      <p:pic>
+        <p:nvPicPr>
+          <p:cNvPr id="4" name="Imagen 3"/>
+          <p:cNvPicPr>
+            <a:picLocks noChangeAspect="1"/>
+          </p:cNvPicPr>
+          <p:nvPr/>
+        </p:nvPicPr>
+        <p:blipFill>
+          <a:blip r:embed="rId2"/>
+          <a:stretch>
+            <a:fillRect/>
+          </a:stretch>
+        </p:blipFill>
+        <p:spPr>
+          <a:xfrm>
+            <a:off x="0" y="359868"/>
+            <a:ext cx="9144000" cy="3032683"/>
+          </a:xfrm>
+          <a:prstGeom prst="rect">
+            <a:avLst/>
+          </a:prstGeom>
+        </p:spPr>
+      </p:pic>
+    </p:spTree>
+    <p:extLst>
+      <p:ext uri="{BB962C8B-B14F-4D97-AF65-F5344CB8AC3E}">
+        <p14:creationId xmlns:p14="http://schemas.microsoft.com/office/powerpoint/2010/main" val="3789704145"/>
+      </p:ext>
+    </p:extLst>
+  </p:cSld>
+  <p:clrMapOvr>
+    <a:masterClrMapping/>
+  </p:clrMapOvr>
+</p:sld>
+</file>
+
+<file path=ppt/slides/slide9.xml><?xml version="1.0" encoding="utf-8"?>
+<p:sld xmlns:a="http://schemas.openxmlformats.org/drawingml/2006/main" xmlns:r="http://schemas.openxmlformats.org/officeDocument/2006/relationships" xmlns:p="http://schemas.openxmlformats.org/presentationml/2006/main">
+  <p:cSld>
+    <p:spTree>
+      <p:nvGrpSpPr>
+        <p:cNvPr id="1" name=""/>
+        <p:cNvGrpSpPr/>
+        <p:nvPr/>
+      </p:nvGrpSpPr>
+      <p:grpSpPr>
+        <a:xfrm>
+          <a:off x="0" y="0"/>
+          <a:ext cx="0" cy="0"/>
+          <a:chOff x="0" y="0"/>
+          <a:chExt cx="0" cy="0"/>
+        </a:xfrm>
+      </p:grpSpPr>
+      <p:sp>
+        <p:nvSpPr>
+          <p:cNvPr id="2" name="1 Título"/>
+          <p:cNvSpPr>
+            <a:spLocks noGrp="1"/>
+          </p:cNvSpPr>
+          <p:nvPr>
+            <p:ph type="title"/>
+          </p:nvPr>
+        </p:nvSpPr>
+        <p:spPr/>
+        <p:txBody>
+          <a:bodyPr/>
+          <a:lstStyle/>
+          <a:p>
+            <a:r>
+              <a:rPr lang="es-MX" dirty="0"/>
               <a:t>CONTACTO FACEBOOK, GITHUB.</a:t>
             </a:r>
-            <a:endParaRPr lang="es-MX" dirty="0"/>
           </a:p>
         </p:txBody>
       </p:sp>
@@ -5427,12 +5775,12 @@
         </p:spPr>
         <p:txBody>
           <a:bodyPr>
-            <a:normAutofit lnSpcReduction="10000"/>
+            <a:noAutofit/>
           </a:bodyPr>
           <a:lstStyle/>
           <a:p>
             <a:pPr marL="0" indent="0"/>
-            <a:endParaRPr lang="es-MX" dirty="0" smtClean="0"/>
+            <a:endParaRPr lang="es-MX" sz="2400" dirty="0"/>
           </a:p>
           <a:p>
             <a:pPr marL="457200" indent="-457200">
@@ -5440,24 +5788,16 @@
               <a:buChar char="q"/>
             </a:pPr>
             <a:r>
-              <a:rPr lang="es-MX" dirty="0" smtClean="0"/>
-              <a:t>Martínez </a:t>
-            </a:r>
-            <a:r>
-              <a:rPr lang="es-MX" dirty="0"/>
-              <a:t>Martos Arturo </a:t>
-            </a:r>
-            <a:r>
-              <a:rPr lang="es-MX" dirty="0" smtClean="0"/>
-              <a:t>Cesar</a:t>
-            </a:r>
-            <a:r>
-              <a:rPr lang="es-MX" dirty="0">
+              <a:rPr lang="es-MX" sz="2400" b="0" dirty="0"/>
+              <a:t>Martínez Martos Arturo Cesar</a:t>
+            </a:r>
+            <a:r>
+              <a:rPr lang="es-MX" sz="2400" b="0" dirty="0">
                 <a:sym typeface="Wingdings" panose="05000000000000000000" pitchFamily="2" charset="2"/>
               </a:rPr>
               <a:t> </a:t>
             </a:r>
-            <a:endParaRPr lang="es-MX" dirty="0"/>
+            <a:endParaRPr lang="es-MX" sz="2400" b="0" dirty="0"/>
           </a:p>
           <a:p>
             <a:pPr marL="457200" indent="-457200">
@@ -5465,31 +5805,16 @@
               <a:buChar char="q"/>
             </a:pPr>
             <a:r>
-              <a:rPr lang="es-MX" dirty="0"/>
-              <a:t>Beltrán Villanueva </a:t>
-            </a:r>
-            <a:r>
-              <a:rPr lang="es-MX" dirty="0" err="1"/>
-              <a:t>Ibzán</a:t>
-            </a:r>
-            <a:endParaRPr lang="es-MX" dirty="0"/>
-          </a:p>
-          <a:p>
-            <a:pPr marL="457200" indent="-457200">
-              <a:buFont typeface="Wingdings" panose="05000000000000000000" pitchFamily="2" charset="2"/>
-              <a:buChar char="q"/>
-            </a:pPr>
-            <a:r>
-              <a:rPr lang="es-MX" dirty="0"/>
+              <a:rPr lang="es-MX" sz="2400" b="0" dirty="0"/>
               <a:t>Márquez Valdez Luis</a:t>
             </a:r>
           </a:p>
           <a:p>
-            <a:endParaRPr lang="es-MX" dirty="0" smtClean="0"/>
+            <a:endParaRPr lang="es-MX" sz="2400" dirty="0"/>
           </a:p>
           <a:p>
             <a:pPr marL="0" indent="0" algn="r"/>
-            <a:endParaRPr lang="es-MX" sz="2800" cap="all" dirty="0" smtClean="0">
+            <a:endParaRPr lang="es-MX" sz="2400" cap="all" dirty="0">
               <a:latin typeface="+mj-lt"/>
               <a:ea typeface="+mj-ea"/>
               <a:cs typeface="+mj-cs"/>
@@ -5498,7 +5823,7 @@
           </a:p>
           <a:p>
             <a:pPr marL="0" indent="0" algn="r"/>
-            <a:endParaRPr lang="es-MX" sz="2800" cap="all" dirty="0">
+            <a:endParaRPr lang="es-MX" sz="2400" cap="all" dirty="0">
               <a:latin typeface="+mj-lt"/>
               <a:ea typeface="+mj-ea"/>
               <a:cs typeface="+mj-cs"/>
@@ -5507,7 +5832,7 @@
           </a:p>
           <a:p>
             <a:pPr marL="0" indent="0" algn="r"/>
-            <a:endParaRPr lang="es-MX" sz="2800" cap="all" dirty="0" smtClean="0">
+            <a:endParaRPr lang="es-MX" sz="2400" cap="all" dirty="0">
               <a:latin typeface="+mj-lt"/>
               <a:ea typeface="+mj-ea"/>
               <a:cs typeface="+mj-cs"/>
@@ -5517,24 +5842,15 @@
           <a:p>
             <a:pPr marL="0" indent="0" algn="r"/>
             <a:r>
-              <a:rPr lang="es-MX" sz="2800" cap="all" dirty="0" smtClean="0">
+              <a:rPr lang="es-MX" sz="2400" cap="all" dirty="0">
                 <a:latin typeface="+mj-lt"/>
                 <a:ea typeface="+mj-ea"/>
                 <a:cs typeface="+mj-cs"/>
                 <a:hlinkClick r:id="rId2"/>
               </a:rPr>
-              <a:t>Curso </a:t>
-            </a:r>
-            <a:r>
-              <a:rPr lang="es-MX" sz="2800" cap="all" dirty="0">
-                <a:latin typeface="+mj-lt"/>
-                <a:ea typeface="+mj-ea"/>
-                <a:cs typeface="+mj-cs"/>
-                <a:hlinkClick r:id="rId2"/>
-              </a:rPr>
-              <a:t>Web 2017</a:t>
-            </a:r>
-            <a:endParaRPr lang="es-MX" sz="2800" cap="all" dirty="0">
+              <a:t>Curso Web 2017</a:t>
+            </a:r>
+            <a:endParaRPr lang="es-MX" sz="2400" cap="all" dirty="0">
               <a:latin typeface="+mj-lt"/>
               <a:ea typeface="+mj-ea"/>
               <a:cs typeface="+mj-cs"/>
@@ -5552,13 +5868,6 @@
   <p:clrMapOvr>
     <a:masterClrMapping/>
   </p:clrMapOvr>
-  <p:timing>
-    <p:tnLst>
-      <p:par>
-        <p:cTn id="1" dur="indefinite" restart="never" nodeType="tmRoot"/>
-      </p:par>
-    </p:tnLst>
-  </p:timing>
 </p:sld>
 </file>
 

--- a/TOYANOS.pptx
+++ b/TOYANOS.pptx
@@ -13,7 +13,8 @@
     <p:sldId id="263" r:id="rId7"/>
     <p:sldId id="264" r:id="rId8"/>
     <p:sldId id="265" r:id="rId9"/>
-    <p:sldId id="262" r:id="rId10"/>
+    <p:sldId id="266" r:id="rId10"/>
+    <p:sldId id="262" r:id="rId11"/>
   </p:sldIdLst>
   <p:sldSz cx="9144000" cy="6858000" type="screen4x3"/>
   <p:notesSz cx="6858000" cy="9144000"/>
@@ -4908,6 +4909,159 @@
 </p:sld>
 </file>
 
+<file path=ppt/slides/slide10.xml><?xml version="1.0" encoding="utf-8"?>
+<p:sld xmlns:a="http://schemas.openxmlformats.org/drawingml/2006/main" xmlns:r="http://schemas.openxmlformats.org/officeDocument/2006/relationships" xmlns:p="http://schemas.openxmlformats.org/presentationml/2006/main">
+  <p:cSld>
+    <p:spTree>
+      <p:nvGrpSpPr>
+        <p:cNvPr id="1" name=""/>
+        <p:cNvGrpSpPr/>
+        <p:nvPr/>
+      </p:nvGrpSpPr>
+      <p:grpSpPr>
+        <a:xfrm>
+          <a:off x="0" y="0"/>
+          <a:ext cx="0" cy="0"/>
+          <a:chOff x="0" y="0"/>
+          <a:chExt cx="0" cy="0"/>
+        </a:xfrm>
+      </p:grpSpPr>
+      <p:sp>
+        <p:nvSpPr>
+          <p:cNvPr id="2" name="1 Título"/>
+          <p:cNvSpPr>
+            <a:spLocks noGrp="1"/>
+          </p:cNvSpPr>
+          <p:nvPr>
+            <p:ph type="title"/>
+          </p:nvPr>
+        </p:nvSpPr>
+        <p:spPr/>
+        <p:txBody>
+          <a:bodyPr/>
+          <a:lstStyle/>
+          <a:p>
+            <a:r>
+              <a:rPr lang="es-MX" dirty="0"/>
+              <a:t>CONTACTO FACEBOOK, GITHUB.</a:t>
+            </a:r>
+          </a:p>
+        </p:txBody>
+      </p:sp>
+      <p:sp>
+        <p:nvSpPr>
+          <p:cNvPr id="3" name="2 Marcador de contenido"/>
+          <p:cNvSpPr>
+            <a:spLocks noGrp="1"/>
+          </p:cNvSpPr>
+          <p:nvPr>
+            <p:ph idx="1"/>
+          </p:nvPr>
+        </p:nvSpPr>
+        <p:spPr>
+          <a:xfrm>
+            <a:off x="811530" y="1340768"/>
+            <a:ext cx="7520940" cy="3579849"/>
+          </a:xfrm>
+        </p:spPr>
+        <p:txBody>
+          <a:bodyPr>
+            <a:noAutofit/>
+          </a:bodyPr>
+          <a:lstStyle/>
+          <a:p>
+            <a:pPr marL="0" indent="0"/>
+            <a:endParaRPr lang="es-MX" sz="2400" dirty="0"/>
+          </a:p>
+          <a:p>
+            <a:pPr marL="457200" indent="-457200">
+              <a:buFont typeface="Wingdings" panose="05000000000000000000" pitchFamily="2" charset="2"/>
+              <a:buChar char="q"/>
+            </a:pPr>
+            <a:r>
+              <a:rPr lang="es-MX" sz="2400" b="0" dirty="0"/>
+              <a:t>Martínez Martos Arturo Cesar</a:t>
+            </a:r>
+            <a:r>
+              <a:rPr lang="es-MX" sz="2400" b="0" dirty="0">
+                <a:sym typeface="Wingdings" panose="05000000000000000000" pitchFamily="2" charset="2"/>
+              </a:rPr>
+              <a:t> </a:t>
+            </a:r>
+            <a:endParaRPr lang="es-MX" sz="2400" b="0" dirty="0"/>
+          </a:p>
+          <a:p>
+            <a:pPr marL="457200" indent="-457200">
+              <a:buFont typeface="Wingdings" panose="05000000000000000000" pitchFamily="2" charset="2"/>
+              <a:buChar char="q"/>
+            </a:pPr>
+            <a:r>
+              <a:rPr lang="es-MX" sz="2400" b="0" dirty="0"/>
+              <a:t>Márquez Valdez Luis</a:t>
+            </a:r>
+          </a:p>
+          <a:p>
+            <a:endParaRPr lang="es-MX" sz="2400" dirty="0"/>
+          </a:p>
+          <a:p>
+            <a:pPr marL="0" indent="0" algn="r"/>
+            <a:endParaRPr lang="es-MX" sz="2400" cap="all" dirty="0">
+              <a:latin typeface="+mj-lt"/>
+              <a:ea typeface="+mj-ea"/>
+              <a:cs typeface="+mj-cs"/>
+              <a:hlinkClick r:id="rId2"/>
+            </a:endParaRPr>
+          </a:p>
+          <a:p>
+            <a:pPr marL="0" indent="0" algn="r"/>
+            <a:endParaRPr lang="es-MX" sz="2400" cap="all" dirty="0">
+              <a:latin typeface="+mj-lt"/>
+              <a:ea typeface="+mj-ea"/>
+              <a:cs typeface="+mj-cs"/>
+              <a:hlinkClick r:id="rId2"/>
+            </a:endParaRPr>
+          </a:p>
+          <a:p>
+            <a:pPr marL="0" indent="0" algn="r"/>
+            <a:endParaRPr lang="es-MX" sz="2400" cap="all" dirty="0">
+              <a:latin typeface="+mj-lt"/>
+              <a:ea typeface="+mj-ea"/>
+              <a:cs typeface="+mj-cs"/>
+              <a:hlinkClick r:id="rId2"/>
+            </a:endParaRPr>
+          </a:p>
+          <a:p>
+            <a:pPr marL="0" indent="0" algn="r"/>
+            <a:r>
+              <a:rPr lang="es-MX" sz="2400" cap="all" dirty="0">
+                <a:latin typeface="+mj-lt"/>
+                <a:ea typeface="+mj-ea"/>
+                <a:cs typeface="+mj-cs"/>
+                <a:hlinkClick r:id="rId2"/>
+              </a:rPr>
+              <a:t>Curso Web 2017</a:t>
+            </a:r>
+            <a:endParaRPr lang="es-MX" sz="2400" cap="all" dirty="0">
+              <a:latin typeface="+mj-lt"/>
+              <a:ea typeface="+mj-ea"/>
+              <a:cs typeface="+mj-cs"/>
+            </a:endParaRPr>
+          </a:p>
+        </p:txBody>
+      </p:sp>
+    </p:spTree>
+    <p:extLst>
+      <p:ext uri="{BB962C8B-B14F-4D97-AF65-F5344CB8AC3E}">
+        <p14:creationId xmlns:p14="http://schemas.microsoft.com/office/powerpoint/2010/main" val="2677410097"/>
+      </p:ext>
+    </p:extLst>
+  </p:cSld>
+  <p:clrMapOvr>
+    <a:masterClrMapping/>
+  </p:clrMapOvr>
+</p:sld>
+</file>
+
 <file path=ppt/slides/slide2.xml><?xml version="1.0" encoding="utf-8"?>
 <p:sld xmlns:a="http://schemas.openxmlformats.org/drawingml/2006/main" xmlns:r="http://schemas.openxmlformats.org/officeDocument/2006/relationships" xmlns:p="http://schemas.openxmlformats.org/presentationml/2006/main">
   <p:cSld>
@@ -5129,9 +5283,10 @@
               <a:buChar char="•"/>
             </a:pPr>
             <a:r>
-              <a:rPr lang="es-MX" sz="2000" b="0" dirty="0"/>
+              <a:rPr lang="es-MX" sz="2000" b="0" dirty="0" smtClean="0"/>
               <a:t>Es fácil de usar y es agradable a la vista</a:t>
             </a:r>
+            <a:endParaRPr lang="es-MX" sz="2000" b="0" dirty="0"/>
           </a:p>
         </p:txBody>
       </p:sp>
@@ -5333,18 +5488,12 @@
               <a:buChar char="-"/>
             </a:pPr>
             <a:r>
+              <a:rPr lang="es-MX" sz="2000" b="0" dirty="0" smtClean="0"/>
+              <a:t>El </a:t>
+            </a:r>
+            <a:r>
               <a:rPr lang="es-MX" sz="2000" b="0" dirty="0"/>
-              <a:t>Con el apoyo de los contribuyentes, ampliaremos la base de datos, su numero de usuarios, y de igual manera la ligaremos a instituciones confiables.</a:t>
-            </a:r>
-          </a:p>
-          <a:p>
-            <a:pPr>
-              <a:buFontTx/>
-              <a:buChar char="-"/>
-            </a:pPr>
-            <a:r>
-              <a:rPr lang="es-MX" sz="2000" b="0" dirty="0"/>
-              <a:t>El sistema cuenta con seguridad y previene robo de información</a:t>
+              <a:t>sistema cuenta con seguridad y previene robo de información</a:t>
             </a:r>
           </a:p>
           <a:p>
@@ -5737,7 +5886,7 @@
       </p:grpSpPr>
       <p:sp>
         <p:nvSpPr>
-          <p:cNvPr id="2" name="1 Título"/>
+          <p:cNvPr id="2" name="Título 1"/>
           <p:cNvSpPr>
             <a:spLocks noGrp="1"/>
           </p:cNvSpPr>
@@ -5751,15 +5900,16 @@
           <a:lstStyle/>
           <a:p>
             <a:r>
-              <a:rPr lang="es-MX" dirty="0"/>
-              <a:t>CONTACTO FACEBOOK, GITHUB.</a:t>
-            </a:r>
-          </a:p>
-        </p:txBody>
-      </p:sp>
-      <p:sp>
-        <p:nvSpPr>
-          <p:cNvPr id="3" name="2 Marcador de contenido"/>
+              <a:rPr lang="es-MX" dirty="0" smtClean="0"/>
+              <a:t>Con el apoyo de los contribuyentes</a:t>
+            </a:r>
+            <a:endParaRPr lang="es-MX" dirty="0"/>
+          </a:p>
+        </p:txBody>
+      </p:sp>
+      <p:sp>
+        <p:nvSpPr>
+          <p:cNvPr id="3" name="Marcador de contenido 2"/>
           <p:cNvSpPr>
             <a:spLocks noGrp="1"/>
           </p:cNvSpPr>
@@ -5767,101 +5917,39 @@
             <p:ph idx="1"/>
           </p:nvPr>
         </p:nvSpPr>
-        <p:spPr>
-          <a:xfrm>
-            <a:off x="811530" y="1340768"/>
-            <a:ext cx="7520940" cy="3579849"/>
-          </a:xfrm>
-        </p:spPr>
-        <p:txBody>
-          <a:bodyPr>
-            <a:noAutofit/>
-          </a:bodyPr>
-          <a:lstStyle/>
-          <a:p>
-            <a:pPr marL="0" indent="0"/>
-            <a:endParaRPr lang="es-MX" sz="2400" dirty="0"/>
-          </a:p>
-          <a:p>
-            <a:pPr marL="457200" indent="-457200">
-              <a:buFont typeface="Wingdings" panose="05000000000000000000" pitchFamily="2" charset="2"/>
-              <a:buChar char="q"/>
-            </a:pPr>
-            <a:r>
-              <a:rPr lang="es-MX" sz="2400" b="0" dirty="0"/>
-              <a:t>Martínez Martos Arturo Cesar</a:t>
-            </a:r>
-            <a:r>
-              <a:rPr lang="es-MX" sz="2400" b="0" dirty="0">
-                <a:sym typeface="Wingdings" panose="05000000000000000000" pitchFamily="2" charset="2"/>
-              </a:rPr>
-              <a:t> </a:t>
-            </a:r>
-            <a:endParaRPr lang="es-MX" sz="2400" b="0" dirty="0"/>
-          </a:p>
-          <a:p>
-            <a:pPr marL="457200" indent="-457200">
-              <a:buFont typeface="Wingdings" panose="05000000000000000000" pitchFamily="2" charset="2"/>
-              <a:buChar char="q"/>
-            </a:pPr>
-            <a:r>
-              <a:rPr lang="es-MX" sz="2400" b="0" dirty="0"/>
-              <a:t>Márquez Valdez Luis</a:t>
-            </a:r>
-          </a:p>
-          <a:p>
-            <a:endParaRPr lang="es-MX" sz="2400" dirty="0"/>
-          </a:p>
-          <a:p>
-            <a:pPr marL="0" indent="0" algn="r"/>
-            <a:endParaRPr lang="es-MX" sz="2400" cap="all" dirty="0">
-              <a:latin typeface="+mj-lt"/>
-              <a:ea typeface="+mj-ea"/>
-              <a:cs typeface="+mj-cs"/>
-              <a:hlinkClick r:id="rId2"/>
-            </a:endParaRPr>
-          </a:p>
-          <a:p>
-            <a:pPr marL="0" indent="0" algn="r"/>
-            <a:endParaRPr lang="es-MX" sz="2400" cap="all" dirty="0">
-              <a:latin typeface="+mj-lt"/>
-              <a:ea typeface="+mj-ea"/>
-              <a:cs typeface="+mj-cs"/>
-              <a:hlinkClick r:id="rId2"/>
-            </a:endParaRPr>
-          </a:p>
-          <a:p>
-            <a:pPr marL="0" indent="0" algn="r"/>
-            <a:endParaRPr lang="es-MX" sz="2400" cap="all" dirty="0">
-              <a:latin typeface="+mj-lt"/>
-              <a:ea typeface="+mj-ea"/>
-              <a:cs typeface="+mj-cs"/>
-              <a:hlinkClick r:id="rId2"/>
-            </a:endParaRPr>
-          </a:p>
-          <a:p>
-            <a:pPr marL="0" indent="0" algn="r"/>
-            <a:r>
-              <a:rPr lang="es-MX" sz="2400" cap="all" dirty="0">
-                <a:latin typeface="+mj-lt"/>
-                <a:ea typeface="+mj-ea"/>
-                <a:cs typeface="+mj-cs"/>
-                <a:hlinkClick r:id="rId2"/>
-              </a:rPr>
-              <a:t>Curso Web 2017</a:t>
-            </a:r>
-            <a:endParaRPr lang="es-MX" sz="2400" cap="all" dirty="0">
-              <a:latin typeface="+mj-lt"/>
-              <a:ea typeface="+mj-ea"/>
-              <a:cs typeface="+mj-cs"/>
-            </a:endParaRPr>
+        <p:spPr/>
+        <p:txBody>
+          <a:bodyPr/>
+          <a:lstStyle/>
+          <a:p>
+            <a:r>
+              <a:rPr lang="es-MX" b="0" dirty="0"/>
+              <a:t>Con el apoyo de los contribuyentes, ampliaremos la base de datos, su numero </a:t>
+            </a:r>
+            <a:r>
+              <a:rPr lang="es-MX" b="0" dirty="0" smtClean="0"/>
+              <a:t>de</a:t>
+            </a:r>
+          </a:p>
+          <a:p>
+            <a:r>
+              <a:rPr lang="es-MX" b="0" dirty="0" smtClean="0"/>
+              <a:t>usuarios</a:t>
+            </a:r>
+            <a:r>
+              <a:rPr lang="es-MX" b="0" dirty="0"/>
+              <a:t>, y de igual manera la ligaremos a instituciones confiables.</a:t>
+            </a:r>
+          </a:p>
+          <a:p>
+            <a:endParaRPr lang="es-MX" dirty="0"/>
           </a:p>
         </p:txBody>
       </p:sp>
     </p:spTree>
     <p:extLst>
       <p:ext uri="{BB962C8B-B14F-4D97-AF65-F5344CB8AC3E}">
-        <p14:creationId xmlns:p14="http://schemas.microsoft.com/office/powerpoint/2010/main" val="2677410097"/>
+        <p14:creationId xmlns:p14="http://schemas.microsoft.com/office/powerpoint/2010/main" val="3998580922"/>
       </p:ext>
     </p:extLst>
   </p:cSld>

--- a/TOYANOS.pptx
+++ b/TOYANOS.pptx
@@ -4821,8 +4821,8 @@
         </p:nvSpPr>
         <p:spPr>
           <a:xfrm>
-            <a:off x="3563888" y="332656"/>
-            <a:ext cx="2376264" cy="1080120"/>
+            <a:off x="3707904" y="404664"/>
+            <a:ext cx="2376264" cy="720080"/>
           </a:xfrm>
         </p:spPr>
         <p:txBody>
@@ -4850,7 +4850,7 @@
         </p:nvSpPr>
         <p:spPr>
           <a:xfrm>
-            <a:off x="1011560" y="2348880"/>
+            <a:off x="1155576" y="1556792"/>
             <a:ext cx="7480920" cy="2400672"/>
           </a:xfrm>
         </p:spPr>
@@ -4896,6 +4896,30 @@
           </a:p>
         </p:txBody>
       </p:sp>
+      <p:pic>
+        <p:nvPicPr>
+          <p:cNvPr id="4" name="Imagen 3"/>
+          <p:cNvPicPr>
+            <a:picLocks noChangeAspect="1"/>
+          </p:cNvPicPr>
+          <p:nvPr/>
+        </p:nvPicPr>
+        <p:blipFill>
+          <a:blip r:embed="rId2"/>
+          <a:stretch>
+            <a:fillRect/>
+          </a:stretch>
+        </p:blipFill>
+        <p:spPr>
+          <a:xfrm>
+            <a:off x="1331640" y="2744552"/>
+            <a:ext cx="6520408" cy="3634326"/>
+          </a:xfrm>
+          <a:prstGeom prst="rect">
+            <a:avLst/>
+          </a:prstGeom>
+        </p:spPr>
+      </p:pic>
     </p:spTree>
     <p:extLst>
       <p:ext uri="{BB962C8B-B14F-4D97-AF65-F5344CB8AC3E}">
